--- a/내가 만든 프로젝트 발표.pptx
+++ b/내가 만든 프로젝트 발표.pptx
@@ -264,7 +264,7 @@
       <inkml:brushProperty name="color" value="#AF8C13"/>
     </inkml:brush>
   </inkml:definitions>
-  <inkml:trace contextRef="#ctx0" brushRef="#br0">0 75 24575,'25'-9'0,"-11"4"0,9-1 0,0 2 0,0 0 0,1 1 0,45 1 0,29-4 0,73-15 0,-125 16-82,0 0-560,47 0 1,-79 6-6185</inkml:trace>
+  <inkml:trace contextRef="#ctx0" brushRef="#br0">0 74 24575,'25'-9'0,"-11"4"0,9-1 0,0 2 0,0 0 0,1 1 0,45 1 0,29-3 0,73-16 0,-125 16-82,0 0-560,47 0 1,-79 6-6185</inkml:trace>
 </inkml:ink>
 </file>
 
@@ -376,7 +376,7 @@
       <inkml:brushProperty name="color" value="#1884AA"/>
     </inkml:brush>
   </inkml:definitions>
-  <inkml:trace contextRef="#ctx0" brushRef="#br0">0 75 24575,'25'-9'0,"-11"4"0,9-1 0,0 2 0,0 0 0,1 1 0,45 1 0,29-4 0,73-15 0,-125 16-82,0 0-560,47 0 1,-79 6-6185</inkml:trace>
+  <inkml:trace contextRef="#ctx0" brushRef="#br0">0 74 24575,'25'-9'0,"-11"4"0,9-1 0,0 2 0,0 0 0,1 1 0,45 1 0,29-3 0,73-16 0,-125 16-82,0 0-560,47 0 1,-79 6-6185</inkml:trace>
 </inkml:ink>
 </file>
 
@@ -516,7 +516,7 @@
       <inkml:brushProperty name="color" value="#94DE61"/>
     </inkml:brush>
   </inkml:definitions>
-  <inkml:trace contextRef="#ctx0" brushRef="#br0">0 75 24575,'25'-9'0,"-11"4"0,9-1 0,0 2 0,0 0 0,1 1 0,45 1 0,29-4 0,73-15 0,-125 16-82,0 0-560,47 0 1,-79 6-6185</inkml:trace>
+  <inkml:trace contextRef="#ctx0" brushRef="#br0">0 74 24575,'25'-9'0,"-11"4"0,9-1 0,0 2 0,0 0 0,1 1 0,45 1 0,29-3 0,73-16 0,-125 16-82,0 0-560,47 0 1,-79 6-6185</inkml:trace>
 </inkml:ink>
 </file>
 
@@ -628,7 +628,7 @@
       <inkml:brushProperty name="color" value="#EB7766"/>
     </inkml:brush>
   </inkml:definitions>
-  <inkml:trace contextRef="#ctx0" brushRef="#br0">0 75 24575,'25'-9'0,"-11"4"0,9-1 0,0 2 0,0 0 0,1 1 0,45 1 0,29-4 0,73-15 0,-125 16-82,0 0-560,47 0 1,-79 6-6185</inkml:trace>
+  <inkml:trace contextRef="#ctx0" brushRef="#br0">0 74 24575,'25'-9'0,"-11"4"0,9-1 0,0 2 0,0 0 0,1 1 0,45 1 0,29-3 0,73-16 0,-125 16-82,0 0-560,47 0 1,-79 6-6185</inkml:trace>
 </inkml:ink>
 </file>
 
@@ -1354,7 +1354,7 @@
           <a:p>
             <a:fld id="{6A01CB3C-6299-452C-98DF-BC5689ECD7F8}" type="datetimeFigureOut">
               <a:rPr lang="ko-KR" altLang="en-US" smtClean="0"/>
-              <a:t>2021-10-26</a:t>
+              <a:t>2021-10-28</a:t>
             </a:fld>
             <a:endParaRPr lang="ko-KR" altLang="en-US"/>
           </a:p>
@@ -1605,7 +1605,7 @@
           <a:p>
             <a:fld id="{6A01CB3C-6299-452C-98DF-BC5689ECD7F8}" type="datetimeFigureOut">
               <a:rPr lang="ko-KR" altLang="en-US" smtClean="0"/>
-              <a:t>2021-10-26</a:t>
+              <a:t>2021-10-28</a:t>
             </a:fld>
             <a:endParaRPr lang="ko-KR" altLang="en-US"/>
           </a:p>
@@ -1919,7 +1919,7 @@
           <a:p>
             <a:fld id="{6A01CB3C-6299-452C-98DF-BC5689ECD7F8}" type="datetimeFigureOut">
               <a:rPr lang="ko-KR" altLang="en-US" smtClean="0"/>
-              <a:t>2021-10-26</a:t>
+              <a:t>2021-10-28</a:t>
             </a:fld>
             <a:endParaRPr lang="ko-KR" altLang="en-US"/>
           </a:p>
@@ -2260,7 +2260,7 @@
           <a:p>
             <a:fld id="{6A01CB3C-6299-452C-98DF-BC5689ECD7F8}" type="datetimeFigureOut">
               <a:rPr lang="ko-KR" altLang="en-US" smtClean="0"/>
-              <a:t>2021-10-26</a:t>
+              <a:t>2021-10-28</a:t>
             </a:fld>
             <a:endParaRPr lang="ko-KR" altLang="en-US"/>
           </a:p>
@@ -2574,7 +2574,7 @@
           <a:p>
             <a:fld id="{6A01CB3C-6299-452C-98DF-BC5689ECD7F8}" type="datetimeFigureOut">
               <a:rPr lang="ko-KR" altLang="en-US" smtClean="0"/>
-              <a:t>2021-10-26</a:t>
+              <a:t>2021-10-28</a:t>
             </a:fld>
             <a:endParaRPr lang="ko-KR" altLang="en-US"/>
           </a:p>
@@ -2967,7 +2967,7 @@
           <a:p>
             <a:fld id="{6A01CB3C-6299-452C-98DF-BC5689ECD7F8}" type="datetimeFigureOut">
               <a:rPr lang="ko-KR" altLang="en-US" smtClean="0"/>
-              <a:t>2021-10-26</a:t>
+              <a:t>2021-10-28</a:t>
             </a:fld>
             <a:endParaRPr lang="ko-KR" altLang="en-US"/>
           </a:p>
@@ -3137,7 +3137,7 @@
           <a:p>
             <a:fld id="{6A01CB3C-6299-452C-98DF-BC5689ECD7F8}" type="datetimeFigureOut">
               <a:rPr lang="ko-KR" altLang="en-US" smtClean="0"/>
-              <a:t>2021-10-26</a:t>
+              <a:t>2021-10-28</a:t>
             </a:fld>
             <a:endParaRPr lang="ko-KR" altLang="en-US"/>
           </a:p>
@@ -3317,7 +3317,7 @@
           <a:p>
             <a:fld id="{6A01CB3C-6299-452C-98DF-BC5689ECD7F8}" type="datetimeFigureOut">
               <a:rPr lang="ko-KR" altLang="en-US" smtClean="0"/>
-              <a:t>2021-10-26</a:t>
+              <a:t>2021-10-28</a:t>
             </a:fld>
             <a:endParaRPr lang="ko-KR" altLang="en-US"/>
           </a:p>
@@ -3493,7 +3493,7 @@
           <a:p>
             <a:fld id="{6A01CB3C-6299-452C-98DF-BC5689ECD7F8}" type="datetimeFigureOut">
               <a:rPr lang="ko-KR" altLang="en-US" smtClean="0"/>
-              <a:t>2021-10-26</a:t>
+              <a:t>2021-10-28</a:t>
             </a:fld>
             <a:endParaRPr lang="ko-KR" altLang="en-US"/>
           </a:p>
@@ -3740,7 +3740,7 @@
           <a:p>
             <a:fld id="{6A01CB3C-6299-452C-98DF-BC5689ECD7F8}" type="datetimeFigureOut">
               <a:rPr lang="ko-KR" altLang="en-US" smtClean="0"/>
-              <a:t>2021-10-26</a:t>
+              <a:t>2021-10-28</a:t>
             </a:fld>
             <a:endParaRPr lang="ko-KR" altLang="en-US"/>
           </a:p>
@@ -3972,7 +3972,7 @@
           <a:p>
             <a:fld id="{6A01CB3C-6299-452C-98DF-BC5689ECD7F8}" type="datetimeFigureOut">
               <a:rPr lang="ko-KR" altLang="en-US" smtClean="0"/>
-              <a:t>2021-10-26</a:t>
+              <a:t>2021-10-28</a:t>
             </a:fld>
             <a:endParaRPr lang="ko-KR" altLang="en-US"/>
           </a:p>
@@ -4346,7 +4346,7 @@
           <a:p>
             <a:fld id="{6A01CB3C-6299-452C-98DF-BC5689ECD7F8}" type="datetimeFigureOut">
               <a:rPr lang="ko-KR" altLang="en-US" smtClean="0"/>
-              <a:t>2021-10-26</a:t>
+              <a:t>2021-10-28</a:t>
             </a:fld>
             <a:endParaRPr lang="ko-KR" altLang="en-US"/>
           </a:p>
@@ -4469,7 +4469,7 @@
           <a:p>
             <a:fld id="{6A01CB3C-6299-452C-98DF-BC5689ECD7F8}" type="datetimeFigureOut">
               <a:rPr lang="ko-KR" altLang="en-US" smtClean="0"/>
-              <a:t>2021-10-26</a:t>
+              <a:t>2021-10-28</a:t>
             </a:fld>
             <a:endParaRPr lang="ko-KR" altLang="en-US"/>
           </a:p>
@@ -4564,7 +4564,7 @@
           <a:p>
             <a:fld id="{6A01CB3C-6299-452C-98DF-BC5689ECD7F8}" type="datetimeFigureOut">
               <a:rPr lang="ko-KR" altLang="en-US" smtClean="0"/>
-              <a:t>2021-10-26</a:t>
+              <a:t>2021-10-28</a:t>
             </a:fld>
             <a:endParaRPr lang="ko-KR" altLang="en-US"/>
           </a:p>
@@ -4819,7 +4819,7 @@
           <a:p>
             <a:fld id="{6A01CB3C-6299-452C-98DF-BC5689ECD7F8}" type="datetimeFigureOut">
               <a:rPr lang="ko-KR" altLang="en-US" smtClean="0"/>
-              <a:t>2021-10-26</a:t>
+              <a:t>2021-10-28</a:t>
             </a:fld>
             <a:endParaRPr lang="ko-KR" altLang="en-US"/>
           </a:p>
@@ -5082,7 +5082,7 @@
           <a:p>
             <a:fld id="{6A01CB3C-6299-452C-98DF-BC5689ECD7F8}" type="datetimeFigureOut">
               <a:rPr lang="ko-KR" altLang="en-US" smtClean="0"/>
-              <a:t>2021-10-26</a:t>
+              <a:t>2021-10-28</a:t>
             </a:fld>
             <a:endParaRPr lang="ko-KR" altLang="en-US"/>
           </a:p>
@@ -5825,7 +5825,7 @@
           <a:p>
             <a:fld id="{6A01CB3C-6299-452C-98DF-BC5689ECD7F8}" type="datetimeFigureOut">
               <a:rPr lang="ko-KR" altLang="en-US" smtClean="0"/>
-              <a:t>2021-10-26</a:t>
+              <a:t>2021-10-28</a:t>
             </a:fld>
             <a:endParaRPr lang="ko-KR" altLang="en-US"/>
           </a:p>
@@ -6708,6 +6708,13 @@
   <p:clrMapOvr>
     <a:masterClrMapping/>
   </p:clrMapOvr>
+  <p:timing>
+    <p:tnLst>
+      <p:par>
+        <p:cTn id="1" dur="indefinite" restart="never" nodeType="tmRoot"/>
+      </p:par>
+    </p:tnLst>
+  </p:timing>
 </p:sld>
 </file>
 
@@ -6999,6 +7006,13 @@
   <p:clrMapOvr>
     <a:masterClrMapping/>
   </p:clrMapOvr>
+  <p:timing>
+    <p:tnLst>
+      <p:par>
+        <p:cTn id="1" dur="indefinite" restart="never" nodeType="tmRoot"/>
+      </p:par>
+    </p:tnLst>
+  </p:timing>
 </p:sld>
 </file>
 
@@ -7256,8 +7270,8 @@
           </mc:Fallback>
         </mc:AlternateContent>
       </p:grpSp>
-      <mc:AlternateContent xmlns:mc="http://schemas.openxmlformats.org/markup-compatibility/2006">
-        <mc:Choice xmlns:p14="http://schemas.microsoft.com/office/powerpoint/2010/main" Requires="p14">
+      <mc:AlternateContent xmlns:mc="http://schemas.openxmlformats.org/markup-compatibility/2006" xmlns:p14="http://schemas.microsoft.com/office/powerpoint/2010/main">
+        <mc:Choice Requires="p14">
           <p:contentPart p14:bwMode="auto" r:id="rId8">
             <p14:nvContentPartPr>
               <p14:cNvPr id="11" name="잉크 10">
@@ -7276,7 +7290,7 @@
             </p14:xfrm>
           </p:contentPart>
         </mc:Choice>
-        <mc:Fallback>
+        <mc:Fallback xmlns="">
           <p:pic>
             <p:nvPicPr>
               <p:cNvPr id="11" name="잉크 10">
@@ -7317,6 +7331,13 @@
   <p:clrMapOvr>
     <a:masterClrMapping/>
   </p:clrMapOvr>
+  <p:timing>
+    <p:tnLst>
+      <p:par>
+        <p:cTn id="1" dur="indefinite" restart="never" nodeType="tmRoot"/>
+      </p:par>
+    </p:tnLst>
+  </p:timing>
 </p:sld>
 </file>
 
@@ -7480,8 +7501,8 @@
           </a:prstGeom>
         </p:spPr>
       </p:pic>
-      <mc:AlternateContent xmlns:mc="http://schemas.openxmlformats.org/markup-compatibility/2006">
-        <mc:Choice xmlns:p14="http://schemas.microsoft.com/office/powerpoint/2010/main" Requires="p14">
+      <mc:AlternateContent xmlns:mc="http://schemas.openxmlformats.org/markup-compatibility/2006" xmlns:p14="http://schemas.microsoft.com/office/powerpoint/2010/main">
+        <mc:Choice Requires="p14">
           <p:contentPart p14:bwMode="auto" r:id="rId3">
             <p14:nvContentPartPr>
               <p14:cNvPr id="12" name="잉크 11">
@@ -7500,7 +7521,7 @@
             </p14:xfrm>
           </p:contentPart>
         </mc:Choice>
-        <mc:Fallback>
+        <mc:Fallback xmlns="">
           <p:pic>
             <p:nvPicPr>
               <p:cNvPr id="12" name="잉크 11">
@@ -7541,6 +7562,13 @@
   <p:clrMapOvr>
     <a:masterClrMapping/>
   </p:clrMapOvr>
+  <p:timing>
+    <p:tnLst>
+      <p:par>
+        <p:cTn id="1" dur="indefinite" restart="never" nodeType="tmRoot"/>
+      </p:par>
+    </p:tnLst>
+  </p:timing>
 </p:sld>
 </file>
 
@@ -7918,8 +7946,8 @@
           </mc:Fallback>
         </mc:AlternateContent>
       </p:grpSp>
-      <mc:AlternateContent xmlns:mc="http://schemas.openxmlformats.org/markup-compatibility/2006">
-        <mc:Choice xmlns:p14="http://schemas.microsoft.com/office/powerpoint/2010/main" Requires="p14">
+      <mc:AlternateContent xmlns:mc="http://schemas.openxmlformats.org/markup-compatibility/2006" xmlns:p14="http://schemas.microsoft.com/office/powerpoint/2010/main">
+        <mc:Choice Requires="p14">
           <p:contentPart p14:bwMode="auto" r:id="rId8">
             <p14:nvContentPartPr>
               <p14:cNvPr id="13" name="잉크 12">
@@ -7938,7 +7966,7 @@
             </p14:xfrm>
           </p:contentPart>
         </mc:Choice>
-        <mc:Fallback>
+        <mc:Fallback xmlns="">
           <p:pic>
             <p:nvPicPr>
               <p:cNvPr id="13" name="잉크 12">
@@ -7979,6 +8007,13 @@
   <p:clrMapOvr>
     <a:masterClrMapping/>
   </p:clrMapOvr>
+  <p:timing>
+    <p:tnLst>
+      <p:par>
+        <p:cTn id="1" dur="indefinite" restart="never" nodeType="tmRoot"/>
+      </p:par>
+    </p:tnLst>
+  </p:timing>
 </p:sld>
 </file>
 
@@ -8176,6 +8211,13 @@
   <p:clrMapOvr>
     <a:masterClrMapping/>
   </p:clrMapOvr>
+  <p:timing>
+    <p:tnLst>
+      <p:par>
+        <p:cTn id="1" dur="indefinite" restart="never" nodeType="tmRoot"/>
+      </p:par>
+    </p:tnLst>
+  </p:timing>
 </p:sld>
 </file>
 
@@ -8508,6 +8550,13 @@
   <p:clrMapOvr>
     <a:masterClrMapping/>
   </p:clrMapOvr>
+  <p:timing>
+    <p:tnLst>
+      <p:par>
+        <p:cTn id="1" dur="indefinite" restart="never" nodeType="tmRoot"/>
+      </p:par>
+    </p:tnLst>
+  </p:timing>
 </p:sld>
 </file>
 
@@ -8555,58 +8604,6 @@
       </p:sp>
       <p:sp>
         <p:nvSpPr>
-          <p:cNvPr id="5" name="TextBox 4">
-            <a:hlinkClick r:id="rId2" action="ppaction://hlinkfile"/>
-            <a:extLst>
-              <a:ext uri="{FF2B5EF4-FFF2-40B4-BE49-F238E27FC236}">
-                <a16:creationId xmlns:a16="http://schemas.microsoft.com/office/drawing/2014/main" id="{375F077D-EE3A-45A4-900E-5F609F474D9B}"/>
-              </a:ext>
-            </a:extLst>
-          </p:cNvPr>
-          <p:cNvSpPr txBox="1"/>
-          <p:nvPr/>
-        </p:nvSpPr>
-        <p:spPr>
-          <a:xfrm>
-            <a:off x="6778027" y="0"/>
-            <a:ext cx="5413973" cy="369332"/>
-          </a:xfrm>
-          <a:prstGeom prst="rect">
-            <a:avLst/>
-          </a:prstGeom>
-          <a:noFill/>
-        </p:spPr>
-        <p:txBody>
-          <a:bodyPr wrap="square">
-            <a:spAutoFit/>
-          </a:bodyPr>
-          <a:lstStyle/>
-          <a:p>
-            <a:r>
-              <a:rPr lang="ko-KR" altLang="en-US" dirty="0">
-                <a:solidFill>
-                  <a:srgbClr val="7030A0"/>
-                </a:solidFill>
-                <a:hlinkClick r:id="rId3" action="ppaction://hlinkfile">
-                  <a:extLst>
-                    <a:ext uri="{A12FA001-AC4F-418D-AE19-62706E023703}">
-                      <ahyp:hlinkClr xmlns:ahyp="http://schemas.microsoft.com/office/drawing/2018/hyperlinkcolor" val="tx"/>
-                    </a:ext>
-                  </a:extLst>
-                </a:hlinkClick>
-              </a:rPr>
-              <a:t>C:\Users\user\source\repos\clock-date\x64\Release</a:t>
-            </a:r>
-            <a:endParaRPr lang="ko-KR" altLang="en-US" dirty="0">
-              <a:solidFill>
-                <a:srgbClr val="7030A0"/>
-              </a:solidFill>
-            </a:endParaRPr>
-          </a:p>
-        </p:txBody>
-      </p:sp>
-      <p:sp>
-        <p:nvSpPr>
           <p:cNvPr id="22" name="내용 개체 틀 2">
             <a:extLst>
               <a:ext uri="{FF2B5EF4-FFF2-40B4-BE49-F238E27FC236}">
@@ -8639,13 +8636,428 @@
               </a:lnSpc>
             </a:pPr>
             <a:r>
-              <a:rPr lang="ko-KR" altLang="en-US" sz="2000">
-                <a:latin typeface="HY얕은샘물M" panose="02030600000101010101" pitchFamily="18" charset="-127"/>
-                <a:ea typeface="HY얕은샘물M" panose="02030600000101010101" pitchFamily="18" charset="-127"/>
-              </a:rPr>
-              <a:t>이 프로젝트를 </a:t>
-            </a:r>
-            <a:endParaRPr lang="en-US" altLang="ko-KR" sz="2000" dirty="0">
+              <a:rPr lang="ko-KR" altLang="en-US" sz="2100" dirty="0">
+                <a:latin typeface="HY얕은샘물M" panose="02030600000101010101" pitchFamily="18" charset="-127"/>
+                <a:ea typeface="HY얕은샘물M" panose="02030600000101010101" pitchFamily="18" charset="-127"/>
+              </a:rPr>
+              <a:t>이 </a:t>
+            </a:r>
+            <a:r>
+              <a:rPr lang="ko-KR" altLang="en-US" sz="2100" dirty="0" smtClean="0">
+                <a:latin typeface="HY얕은샘물M" panose="02030600000101010101" pitchFamily="18" charset="-127"/>
+                <a:ea typeface="HY얕은샘물M" panose="02030600000101010101" pitchFamily="18" charset="-127"/>
+              </a:rPr>
+              <a:t>프로젝트를 제작하면서 생긴 여러가지 오류들과 고충들을 해결해 나가면서 실력을 키울 수 있었고 새로운   기능을 활용하여 코딩 지식이 전보다 더 늘어나게 된 것 같습니다</a:t>
+            </a:r>
+            <a:r>
+              <a:rPr lang="en-US" altLang="ko-KR" sz="2100" dirty="0" smtClean="0">
+                <a:latin typeface="HY얕은샘물M" panose="02030600000101010101" pitchFamily="18" charset="-127"/>
+                <a:ea typeface="HY얕은샘물M" panose="02030600000101010101" pitchFamily="18" charset="-127"/>
+              </a:rPr>
+              <a:t>. </a:t>
+            </a:r>
+            <a:r>
+              <a:rPr lang="ko-KR" altLang="en-US" sz="2100" dirty="0" smtClean="0">
+                <a:latin typeface="HY얕은샘물M" panose="02030600000101010101" pitchFamily="18" charset="-127"/>
+                <a:ea typeface="HY얕은샘물M" panose="02030600000101010101" pitchFamily="18" charset="-127"/>
+              </a:rPr>
+              <a:t>저는 이 프로젝트에 만족하지 않고 더욱 더 노력하여 이 프로젝트보다 편하고 더 좋고 더 멋진 프로젝트를 만들기 위해서 노력할 것입니다</a:t>
+            </a:r>
+            <a:r>
+              <a:rPr lang="en-US" altLang="ko-KR" sz="2100" dirty="0" smtClean="0">
+                <a:latin typeface="HY얕은샘물M" panose="02030600000101010101" pitchFamily="18" charset="-127"/>
+                <a:ea typeface="HY얕은샘물M" panose="02030600000101010101" pitchFamily="18" charset="-127"/>
+              </a:rPr>
+              <a:t>. </a:t>
+            </a:r>
+            <a:r>
+              <a:rPr lang="ko-KR" altLang="en-US" sz="2100" dirty="0" smtClean="0">
+                <a:latin typeface="HY얕은샘물M" panose="02030600000101010101" pitchFamily="18" charset="-127"/>
+                <a:ea typeface="HY얕은샘물M" panose="02030600000101010101" pitchFamily="18" charset="-127"/>
+              </a:rPr>
+              <a:t>그렇기 위해선 먼저 이 프로젝트를 좀 더 수정해야 된다고 생각이 들었습니다</a:t>
+            </a:r>
+            <a:r>
+              <a:rPr lang="en-US" altLang="ko-KR" sz="2100" dirty="0" smtClean="0">
+                <a:latin typeface="HY얕은샘물M" panose="02030600000101010101" pitchFamily="18" charset="-127"/>
+                <a:ea typeface="HY얕은샘물M" panose="02030600000101010101" pitchFamily="18" charset="-127"/>
+              </a:rPr>
+              <a:t>. </a:t>
+            </a:r>
+            <a:r>
+              <a:rPr lang="ko-KR" altLang="en-US" sz="2100" dirty="0" smtClean="0">
+                <a:latin typeface="HY얕은샘물M" panose="02030600000101010101" pitchFamily="18" charset="-127"/>
+                <a:ea typeface="HY얕은샘물M" panose="02030600000101010101" pitchFamily="18" charset="-127"/>
+              </a:rPr>
+              <a:t>이 프로젝트에 지금보다 좀 더 많은 기능을 추가하고 사용자들이 더 편하게 사용하기 위해서 많은 것들을 고쳐야 한다고 생각했습니다</a:t>
+            </a:r>
+            <a:r>
+              <a:rPr lang="en-US" altLang="ko-KR" sz="2100" dirty="0" smtClean="0">
+                <a:latin typeface="HY얕은샘물M" panose="02030600000101010101" pitchFamily="18" charset="-127"/>
+                <a:ea typeface="HY얕은샘물M" panose="02030600000101010101" pitchFamily="18" charset="-127"/>
+              </a:rPr>
+              <a:t>. </a:t>
+            </a:r>
+            <a:r>
+              <a:rPr lang="ko-KR" altLang="en-US" sz="2100" dirty="0" smtClean="0">
+                <a:latin typeface="HY얕은샘물M" panose="02030600000101010101" pitchFamily="18" charset="-127"/>
+                <a:ea typeface="HY얕은샘물M" panose="02030600000101010101" pitchFamily="18" charset="-127"/>
+              </a:rPr>
+              <a:t>그렇게 하나하나씩 고치다 보면 언젠가는 저도 누군가가 봐줄만한</a:t>
+            </a:r>
+            <a:r>
+              <a:rPr lang="en-US" altLang="ko-KR" sz="2100" dirty="0" smtClean="0">
+                <a:latin typeface="HY얕은샘물M" panose="02030600000101010101" pitchFamily="18" charset="-127"/>
+                <a:ea typeface="HY얕은샘물M" panose="02030600000101010101" pitchFamily="18" charset="-127"/>
+              </a:rPr>
+              <a:t>,</a:t>
+            </a:r>
+            <a:r>
+              <a:rPr lang="ko-KR" altLang="en-US" sz="2100" dirty="0" smtClean="0">
+                <a:latin typeface="HY얕은샘물M" panose="02030600000101010101" pitchFamily="18" charset="-127"/>
+                <a:ea typeface="HY얕은샘물M" panose="02030600000101010101" pitchFamily="18" charset="-127"/>
+              </a:rPr>
+              <a:t> 참고할만한</a:t>
+            </a:r>
+            <a:r>
+              <a:rPr lang="en-US" altLang="ko-KR" sz="2100" dirty="0">
+                <a:latin typeface="HY얕은샘물M" panose="02030600000101010101" pitchFamily="18" charset="-127"/>
+                <a:ea typeface="HY얕은샘물M" panose="02030600000101010101" pitchFamily="18" charset="-127"/>
+              </a:rPr>
+              <a:t> </a:t>
+            </a:r>
+            <a:r>
+              <a:rPr lang="ko-KR" altLang="en-US" sz="2100" dirty="0" smtClean="0">
+                <a:latin typeface="HY얕은샘물M" panose="02030600000101010101" pitchFamily="18" charset="-127"/>
+                <a:ea typeface="HY얕은샘물M" panose="02030600000101010101" pitchFamily="18" charset="-127"/>
+              </a:rPr>
+              <a:t>그런 멋진 프로젝트를 만들 수 있다고 생각합니다</a:t>
+            </a:r>
+            <a:r>
+              <a:rPr lang="en-US" altLang="ko-KR" sz="2100" dirty="0" smtClean="0">
+                <a:latin typeface="HY얕은샘물M" panose="02030600000101010101" pitchFamily="18" charset="-127"/>
+                <a:ea typeface="HY얕은샘물M" panose="02030600000101010101" pitchFamily="18" charset="-127"/>
+              </a:rPr>
+              <a:t>. </a:t>
+            </a:r>
+            <a:r>
+              <a:rPr lang="ko-KR" altLang="en-US" sz="2100" dirty="0" smtClean="0">
+                <a:latin typeface="HY얕은샘물M" panose="02030600000101010101" pitchFamily="18" charset="-127"/>
+                <a:ea typeface="HY얕은샘물M" panose="02030600000101010101" pitchFamily="18" charset="-127"/>
+              </a:rPr>
+              <a:t>그렇게 된다면 저도 조금은 더 아니 어쩌면 더 많이 성장할 것이라고 믿습니다</a:t>
+            </a:r>
+            <a:r>
+              <a:rPr lang="en-US" altLang="ko-KR" sz="2100" dirty="0" smtClean="0">
+                <a:latin typeface="HY얕은샘물M" panose="02030600000101010101" pitchFamily="18" charset="-127"/>
+                <a:ea typeface="HY얕은샘물M" panose="02030600000101010101" pitchFamily="18" charset="-127"/>
+              </a:rPr>
+              <a:t>.</a:t>
+            </a:r>
+            <a:endParaRPr lang="en-US" altLang="ko-KR" sz="2100" dirty="0">
+              <a:latin typeface="HY얕은샘물M" panose="02030600000101010101" pitchFamily="18" charset="-127"/>
+              <a:ea typeface="HY얕은샘물M" panose="02030600000101010101" pitchFamily="18" charset="-127"/>
+            </a:endParaRPr>
+          </a:p>
+        </p:txBody>
+      </p:sp>
+      <p:sp>
+        <p:nvSpPr>
+          <p:cNvPr id="6" name="내용 개체 틀 2">
+            <a:hlinkClick r:id="rId2" action="ppaction://hlinkfile"/>
+            <a:extLst>
+              <a:ext uri="{FF2B5EF4-FFF2-40B4-BE49-F238E27FC236}">
+                <a16:creationId xmlns:a16="http://schemas.microsoft.com/office/drawing/2014/main" id="{F72A545F-BF6A-4A22-9477-EE160BD7090F}"/>
+              </a:ext>
+            </a:extLst>
+          </p:cNvPr>
+          <p:cNvSpPr txBox="1">
+            <a:spLocks/>
+          </p:cNvSpPr>
+          <p:nvPr/>
+        </p:nvSpPr>
+        <p:spPr>
+          <a:xfrm>
+            <a:off x="11607800" y="50647"/>
+            <a:ext cx="745067" cy="6467302"/>
+          </a:xfrm>
+          <a:prstGeom prst="rect">
+            <a:avLst/>
+          </a:prstGeom>
+          <a:noFill/>
+          <a:ln>
+            <a:noFill/>
+          </a:ln>
+        </p:spPr>
+        <p:txBody>
+          <a:bodyPr vert="eaVert" lIns="91440" tIns="45720" rIns="91440" bIns="45720" rtlCol="0">
+            <a:noAutofit/>
+          </a:bodyPr>
+          <a:lstStyle>
+            <a:lvl1pPr marL="342900" indent="-342900" algn="l" defTabSz="457200" rtl="0" eaLnBrk="1" latinLnBrk="1" hangingPunct="1">
+              <a:spcBef>
+                <a:spcPts val="1000"/>
+              </a:spcBef>
+              <a:spcAft>
+                <a:spcPts val="0"/>
+              </a:spcAft>
+              <a:buClr>
+                <a:schemeClr val="accent1"/>
+              </a:buClr>
+              <a:buSzPct val="80000"/>
+              <a:buFont typeface="Wingdings 3" charset="2"/>
+              <a:buChar char=""/>
+              <a:defRPr sz="1800" kern="1200">
+                <a:solidFill>
+                  <a:schemeClr val="tx1">
+                    <a:lumMod val="75000"/>
+                    <a:lumOff val="25000"/>
+                  </a:schemeClr>
+                </a:solidFill>
+                <a:latin typeface="+mn-lt"/>
+                <a:ea typeface="+mn-ea"/>
+                <a:cs typeface="+mn-cs"/>
+              </a:defRPr>
+            </a:lvl1pPr>
+            <a:lvl2pPr marL="742950" indent="-285750" algn="l" defTabSz="457200" rtl="0" eaLnBrk="1" latinLnBrk="1" hangingPunct="1">
+              <a:spcBef>
+                <a:spcPts val="1000"/>
+              </a:spcBef>
+              <a:spcAft>
+                <a:spcPts val="0"/>
+              </a:spcAft>
+              <a:buClr>
+                <a:schemeClr val="accent1"/>
+              </a:buClr>
+              <a:buSzPct val="80000"/>
+              <a:buFont typeface="Wingdings 3" charset="2"/>
+              <a:buChar char=""/>
+              <a:defRPr sz="1600" kern="1200">
+                <a:solidFill>
+                  <a:schemeClr val="tx1">
+                    <a:lumMod val="75000"/>
+                    <a:lumOff val="25000"/>
+                  </a:schemeClr>
+                </a:solidFill>
+                <a:latin typeface="+mn-lt"/>
+                <a:ea typeface="+mn-ea"/>
+                <a:cs typeface="+mn-cs"/>
+              </a:defRPr>
+            </a:lvl2pPr>
+            <a:lvl3pPr marL="1143000" indent="-228600" algn="l" defTabSz="457200" rtl="0" eaLnBrk="1" latinLnBrk="1" hangingPunct="1">
+              <a:spcBef>
+                <a:spcPts val="1000"/>
+              </a:spcBef>
+              <a:spcAft>
+                <a:spcPts val="0"/>
+              </a:spcAft>
+              <a:buClr>
+                <a:schemeClr val="accent1"/>
+              </a:buClr>
+              <a:buSzPct val="80000"/>
+              <a:buFont typeface="Wingdings 3" charset="2"/>
+              <a:buChar char=""/>
+              <a:defRPr sz="1400" kern="1200">
+                <a:solidFill>
+                  <a:schemeClr val="tx1">
+                    <a:lumMod val="75000"/>
+                    <a:lumOff val="25000"/>
+                  </a:schemeClr>
+                </a:solidFill>
+                <a:latin typeface="+mn-lt"/>
+                <a:ea typeface="+mn-ea"/>
+                <a:cs typeface="+mn-cs"/>
+              </a:defRPr>
+            </a:lvl3pPr>
+            <a:lvl4pPr marL="1600200" indent="-228600" algn="l" defTabSz="457200" rtl="0" eaLnBrk="1" latinLnBrk="1" hangingPunct="1">
+              <a:spcBef>
+                <a:spcPts val="1000"/>
+              </a:spcBef>
+              <a:spcAft>
+                <a:spcPts val="0"/>
+              </a:spcAft>
+              <a:buClr>
+                <a:schemeClr val="accent1"/>
+              </a:buClr>
+              <a:buSzPct val="80000"/>
+              <a:buFont typeface="Wingdings 3" charset="2"/>
+              <a:buChar char=""/>
+              <a:defRPr sz="1200" kern="1200">
+                <a:solidFill>
+                  <a:schemeClr val="tx1">
+                    <a:lumMod val="75000"/>
+                    <a:lumOff val="25000"/>
+                  </a:schemeClr>
+                </a:solidFill>
+                <a:latin typeface="+mn-lt"/>
+                <a:ea typeface="+mn-ea"/>
+                <a:cs typeface="+mn-cs"/>
+              </a:defRPr>
+            </a:lvl4pPr>
+            <a:lvl5pPr marL="2057400" indent="-228600" algn="l" defTabSz="457200" rtl="0" eaLnBrk="1" latinLnBrk="1" hangingPunct="1">
+              <a:spcBef>
+                <a:spcPts val="1000"/>
+              </a:spcBef>
+              <a:spcAft>
+                <a:spcPts val="0"/>
+              </a:spcAft>
+              <a:buClr>
+                <a:schemeClr val="accent1"/>
+              </a:buClr>
+              <a:buSzPct val="80000"/>
+              <a:buFont typeface="Wingdings 3" charset="2"/>
+              <a:buChar char=""/>
+              <a:defRPr sz="1200" kern="1200">
+                <a:solidFill>
+                  <a:schemeClr val="tx1">
+                    <a:lumMod val="75000"/>
+                    <a:lumOff val="25000"/>
+                  </a:schemeClr>
+                </a:solidFill>
+                <a:latin typeface="+mn-lt"/>
+                <a:ea typeface="+mn-ea"/>
+                <a:cs typeface="+mn-cs"/>
+              </a:defRPr>
+            </a:lvl5pPr>
+            <a:lvl6pPr marL="2514600" indent="-228600" algn="l" defTabSz="457200" rtl="0" eaLnBrk="1" latinLnBrk="1" hangingPunct="1">
+              <a:spcBef>
+                <a:spcPts val="1000"/>
+              </a:spcBef>
+              <a:spcAft>
+                <a:spcPts val="0"/>
+              </a:spcAft>
+              <a:buClr>
+                <a:schemeClr val="accent1"/>
+              </a:buClr>
+              <a:buSzPct val="80000"/>
+              <a:buFont typeface="Wingdings 3" charset="2"/>
+              <a:buChar char=""/>
+              <a:defRPr sz="1200" kern="1200">
+                <a:solidFill>
+                  <a:schemeClr val="tx1">
+                    <a:lumMod val="75000"/>
+                    <a:lumOff val="25000"/>
+                  </a:schemeClr>
+                </a:solidFill>
+                <a:latin typeface="+mn-lt"/>
+                <a:ea typeface="+mn-ea"/>
+                <a:cs typeface="+mn-cs"/>
+              </a:defRPr>
+            </a:lvl6pPr>
+            <a:lvl7pPr marL="2971800" indent="-228600" algn="l" defTabSz="457200" rtl="0" eaLnBrk="1" latinLnBrk="1" hangingPunct="1">
+              <a:spcBef>
+                <a:spcPts val="1000"/>
+              </a:spcBef>
+              <a:spcAft>
+                <a:spcPts val="0"/>
+              </a:spcAft>
+              <a:buClr>
+                <a:schemeClr val="accent1"/>
+              </a:buClr>
+              <a:buSzPct val="80000"/>
+              <a:buFont typeface="Wingdings 3" charset="2"/>
+              <a:buChar char=""/>
+              <a:defRPr sz="1200" kern="1200">
+                <a:solidFill>
+                  <a:schemeClr val="tx1">
+                    <a:lumMod val="75000"/>
+                    <a:lumOff val="25000"/>
+                  </a:schemeClr>
+                </a:solidFill>
+                <a:latin typeface="+mn-lt"/>
+                <a:ea typeface="+mn-ea"/>
+                <a:cs typeface="+mn-cs"/>
+              </a:defRPr>
+            </a:lvl7pPr>
+            <a:lvl8pPr marL="3429000" indent="-228600" algn="l" defTabSz="457200" rtl="0" eaLnBrk="1" latinLnBrk="1" hangingPunct="1">
+              <a:spcBef>
+                <a:spcPts val="1000"/>
+              </a:spcBef>
+              <a:spcAft>
+                <a:spcPts val="0"/>
+              </a:spcAft>
+              <a:buClr>
+                <a:schemeClr val="accent1"/>
+              </a:buClr>
+              <a:buSzPct val="80000"/>
+              <a:buFont typeface="Wingdings 3" charset="2"/>
+              <a:buChar char=""/>
+              <a:defRPr sz="1200" kern="1200">
+                <a:solidFill>
+                  <a:schemeClr val="tx1">
+                    <a:lumMod val="75000"/>
+                    <a:lumOff val="25000"/>
+                  </a:schemeClr>
+                </a:solidFill>
+                <a:latin typeface="+mn-lt"/>
+                <a:ea typeface="+mn-ea"/>
+                <a:cs typeface="+mn-cs"/>
+              </a:defRPr>
+            </a:lvl8pPr>
+            <a:lvl9pPr marL="3886200" indent="-228600" algn="l" defTabSz="457200" rtl="0" eaLnBrk="1" latinLnBrk="1" hangingPunct="1">
+              <a:spcBef>
+                <a:spcPts val="1000"/>
+              </a:spcBef>
+              <a:spcAft>
+                <a:spcPts val="0"/>
+              </a:spcAft>
+              <a:buClr>
+                <a:schemeClr val="accent1"/>
+              </a:buClr>
+              <a:buSzPct val="80000"/>
+              <a:buFont typeface="Wingdings 3" charset="2"/>
+              <a:buChar char=""/>
+              <a:defRPr sz="1200" kern="1200">
+                <a:solidFill>
+                  <a:schemeClr val="tx1">
+                    <a:lumMod val="75000"/>
+                    <a:lumOff val="25000"/>
+                  </a:schemeClr>
+                </a:solidFill>
+                <a:latin typeface="+mn-lt"/>
+                <a:ea typeface="+mn-ea"/>
+                <a:cs typeface="+mn-cs"/>
+              </a:defRPr>
+            </a:lvl9pPr>
+          </a:lstStyle>
+          <a:p>
+            <a:pPr marL="0" indent="0">
+              <a:lnSpc>
+                <a:spcPct val="150000"/>
+              </a:lnSpc>
+              <a:buNone/>
+            </a:pPr>
+            <a:r>
+              <a:rPr lang="en-US" altLang="ko-KR" sz="2300" dirty="0">
+                <a:ln w="0"/>
+                <a:solidFill>
+                  <a:schemeClr val="tx1"/>
+                </a:solidFill>
+                <a:effectLst>
+                  <a:outerShdw blurRad="38100" dist="19050" dir="2700000" algn="tl" rotWithShape="0">
+                    <a:schemeClr val="dk1">
+                      <a:alpha val="40000"/>
+                    </a:schemeClr>
+                  </a:outerShdw>
+                </a:effectLst>
+                <a:latin typeface="HY얕은샘물M" panose="02030600000101010101" pitchFamily="18" charset="-127"/>
+                <a:ea typeface="HY얕은샘물M" panose="02030600000101010101" pitchFamily="18" charset="-127"/>
+                <a:hlinkClick r:id="rId3" action="ppaction://hlinkfile"/>
+              </a:rPr>
+              <a:t>C:\Users\class1-1\source\repos\clock-date\x64\Release</a:t>
+            </a:r>
+            <a:endParaRPr lang="en-US" altLang="ko-KR" sz="2300" dirty="0">
+              <a:ln w="0"/>
+              <a:solidFill>
+                <a:schemeClr val="tx1"/>
+              </a:solidFill>
+              <a:effectLst>
+                <a:outerShdw blurRad="38100" dist="19050" dir="2700000" algn="tl" rotWithShape="0">
+                  <a:schemeClr val="dk1">
+                    <a:alpha val="40000"/>
+                  </a:schemeClr>
+                </a:outerShdw>
+              </a:effectLst>
               <a:latin typeface="HY얕은샘물M" panose="02030600000101010101" pitchFamily="18" charset="-127"/>
               <a:ea typeface="HY얕은샘물M" panose="02030600000101010101" pitchFamily="18" charset="-127"/>
             </a:endParaRPr>
@@ -8662,6 +9074,13 @@
   <p:clrMapOvr>
     <a:masterClrMapping/>
   </p:clrMapOvr>
+  <p:timing>
+    <p:tnLst>
+      <p:par>
+        <p:cTn id="1" dur="indefinite" restart="never" nodeType="tmRoot"/>
+      </p:par>
+    </p:tnLst>
+  </p:timing>
 </p:sld>
 </file>
 
@@ -8896,6 +9315,13 @@
   <p:clrMapOvr>
     <a:masterClrMapping/>
   </p:clrMapOvr>
+  <p:timing>
+    <p:tnLst>
+      <p:par>
+        <p:cTn id="1" dur="indefinite" restart="never" nodeType="tmRoot"/>
+      </p:par>
+    </p:tnLst>
+  </p:timing>
 </p:sld>
 </file>
 
@@ -10141,6 +10567,13 @@
   <p:clrMapOvr>
     <a:masterClrMapping/>
   </p:clrMapOvr>
+  <p:timing>
+    <p:tnLst>
+      <p:par>
+        <p:cTn id="1" dur="indefinite" restart="never" nodeType="tmRoot"/>
+      </p:par>
+    </p:tnLst>
+  </p:timing>
 </p:sld>
 </file>
 
@@ -10309,6 +10742,13 @@
   <p:clrMapOvr>
     <a:masterClrMapping/>
   </p:clrMapOvr>
+  <p:timing>
+    <p:tnLst>
+      <p:par>
+        <p:cTn id="1" dur="indefinite" restart="never" nodeType="tmRoot"/>
+      </p:par>
+    </p:tnLst>
+  </p:timing>
 </p:sld>
 </file>
 
@@ -10695,6 +11135,13 @@
   <p:clrMapOvr>
     <a:masterClrMapping/>
   </p:clrMapOvr>
+  <p:timing>
+    <p:tnLst>
+      <p:par>
+        <p:cTn id="1" dur="indefinite" restart="never" nodeType="tmRoot"/>
+      </p:par>
+    </p:tnLst>
+  </p:timing>
 </p:sld>
 </file>
 
@@ -10989,6 +11436,13 @@
   <p:clrMapOvr>
     <a:masterClrMapping/>
   </p:clrMapOvr>
+  <p:timing>
+    <p:tnLst>
+      <p:par>
+        <p:cTn id="1" dur="indefinite" restart="never" nodeType="tmRoot"/>
+      </p:par>
+    </p:tnLst>
+  </p:timing>
 </p:sld>
 </file>
 
@@ -11303,6 +11757,13 @@
   <p:clrMapOvr>
     <a:masterClrMapping/>
   </p:clrMapOvr>
+  <p:timing>
+    <p:tnLst>
+      <p:par>
+        <p:cTn id="1" dur="indefinite" restart="never" nodeType="tmRoot"/>
+      </p:par>
+    </p:tnLst>
+  </p:timing>
 </p:sld>
 </file>
 

--- a/내가 만든 프로젝트 발표.pptx
+++ b/내가 만든 프로젝트 발표.pptx
@@ -14,12 +14,12 @@
     <p:sldId id="266" r:id="rId8"/>
     <p:sldId id="267" r:id="rId9"/>
     <p:sldId id="268" r:id="rId10"/>
-    <p:sldId id="269" r:id="rId11"/>
-    <p:sldId id="270" r:id="rId12"/>
-    <p:sldId id="271" r:id="rId13"/>
-    <p:sldId id="272" r:id="rId14"/>
-    <p:sldId id="276" r:id="rId15"/>
-    <p:sldId id="277" r:id="rId16"/>
+    <p:sldId id="277" r:id="rId11"/>
+    <p:sldId id="269" r:id="rId12"/>
+    <p:sldId id="270" r:id="rId13"/>
+    <p:sldId id="271" r:id="rId14"/>
+    <p:sldId id="272" r:id="rId15"/>
+    <p:sldId id="276" r:id="rId16"/>
     <p:sldId id="263" r:id="rId17"/>
     <p:sldId id="281" r:id="rId18"/>
   </p:sldIdLst>
@@ -6446,6 +6446,210 @@
         </p:nvSpPr>
         <p:spPr>
           <a:xfrm>
+            <a:off x="677334" y="426996"/>
+            <a:ext cx="8596668" cy="1320800"/>
+          </a:xfrm>
+        </p:spPr>
+        <p:txBody>
+          <a:bodyPr/>
+          <a:lstStyle/>
+          <a:p>
+            <a:r>
+              <a:rPr lang="ko-KR" altLang="en-US" dirty="0">
+                <a:latin typeface="HY얕은샘물M" panose="02030600000101010101" pitchFamily="18" charset="-127"/>
+                <a:ea typeface="HY얕은샘물M" panose="02030600000101010101" pitchFamily="18" charset="-127"/>
+              </a:rPr>
+              <a:t>윤년계산 함수 설계</a:t>
+            </a:r>
+          </a:p>
+        </p:txBody>
+      </p:sp>
+      <p:sp>
+        <p:nvSpPr>
+          <p:cNvPr id="3" name="내용 개체 틀 2"/>
+          <p:cNvSpPr>
+            <a:spLocks noGrp="1"/>
+          </p:cNvSpPr>
+          <p:nvPr>
+            <p:ph idx="1"/>
+          </p:nvPr>
+        </p:nvSpPr>
+        <p:spPr>
+          <a:xfrm>
+            <a:off x="677334" y="4191754"/>
+            <a:ext cx="7253502" cy="1849608"/>
+          </a:xfrm>
+        </p:spPr>
+        <p:txBody>
+          <a:bodyPr>
+            <a:normAutofit/>
+          </a:bodyPr>
+          <a:lstStyle/>
+          <a:p>
+            <a:pPr>
+              <a:lnSpc>
+                <a:spcPct val="200000"/>
+              </a:lnSpc>
+            </a:pPr>
+            <a:r>
+              <a:rPr lang="ko-KR" altLang="en-US" sz="2400" dirty="0">
+                <a:latin typeface="HY얕은샘물M" panose="02030600000101010101" pitchFamily="18" charset="-127"/>
+                <a:ea typeface="HY얕은샘물M" panose="02030600000101010101" pitchFamily="18" charset="-127"/>
+              </a:rPr>
+              <a:t>입력 받은 년이 </a:t>
+            </a:r>
+            <a:r>
+              <a:rPr lang="en-US" altLang="ko-KR" sz="2400" dirty="0">
+                <a:latin typeface="HY얕은샘물M" panose="02030600000101010101" pitchFamily="18" charset="-127"/>
+                <a:ea typeface="HY얕은샘물M" panose="02030600000101010101" pitchFamily="18" charset="-127"/>
+              </a:rPr>
+              <a:t>4</a:t>
+            </a:r>
+            <a:r>
+              <a:rPr lang="ko-KR" altLang="en-US" sz="2400" dirty="0">
+                <a:latin typeface="HY얕은샘물M" panose="02030600000101010101" pitchFamily="18" charset="-127"/>
+                <a:ea typeface="HY얕은샘물M" panose="02030600000101010101" pitchFamily="18" charset="-127"/>
+              </a:rPr>
+              <a:t>로 나누어 떨어지고 </a:t>
+            </a:r>
+            <a:r>
+              <a:rPr lang="en-US" altLang="ko-KR" sz="2400" dirty="0">
+                <a:latin typeface="HY얕은샘물M" panose="02030600000101010101" pitchFamily="18" charset="-127"/>
+                <a:ea typeface="HY얕은샘물M" panose="02030600000101010101" pitchFamily="18" charset="-127"/>
+              </a:rPr>
+              <a:t>100</a:t>
+            </a:r>
+            <a:r>
+              <a:rPr lang="ko-KR" altLang="en-US" sz="2400" dirty="0">
+                <a:latin typeface="HY얕은샘물M" panose="02030600000101010101" pitchFamily="18" charset="-127"/>
+                <a:ea typeface="HY얕은샘물M" panose="02030600000101010101" pitchFamily="18" charset="-127"/>
+              </a:rPr>
+              <a:t>으로도 나누어 떨어지거나 </a:t>
+            </a:r>
+            <a:r>
+              <a:rPr lang="en-US" altLang="ko-KR" sz="2400" dirty="0">
+                <a:latin typeface="HY얕은샘물M" panose="02030600000101010101" pitchFamily="18" charset="-127"/>
+                <a:ea typeface="HY얕은샘물M" panose="02030600000101010101" pitchFamily="18" charset="-127"/>
+              </a:rPr>
+              <a:t>400</a:t>
+            </a:r>
+            <a:r>
+              <a:rPr lang="ko-KR" altLang="en-US" sz="2400" dirty="0">
+                <a:latin typeface="HY얕은샘물M" panose="02030600000101010101" pitchFamily="18" charset="-127"/>
+                <a:ea typeface="HY얕은샘물M" panose="02030600000101010101" pitchFamily="18" charset="-127"/>
+              </a:rPr>
+              <a:t>으로   나누어 떨어질 경우 </a:t>
+            </a:r>
+            <a:r>
+              <a:rPr lang="en-US" altLang="ko-KR" sz="2400" dirty="0">
+                <a:latin typeface="HY얕은샘물M" panose="02030600000101010101" pitchFamily="18" charset="-127"/>
+                <a:ea typeface="HY얕은샘물M" panose="02030600000101010101" pitchFamily="18" charset="-127"/>
+              </a:rPr>
+              <a:t>1</a:t>
+            </a:r>
+            <a:r>
+              <a:rPr lang="ko-KR" altLang="en-US" sz="2400" dirty="0">
+                <a:latin typeface="HY얕은샘물M" panose="02030600000101010101" pitchFamily="18" charset="-127"/>
+                <a:ea typeface="HY얕은샘물M" panose="02030600000101010101" pitchFamily="18" charset="-127"/>
+              </a:rPr>
+              <a:t>을 반환하고 그렇지 않다면 </a:t>
+            </a:r>
+            <a:r>
+              <a:rPr lang="en-US" altLang="ko-KR" sz="2400" dirty="0">
+                <a:latin typeface="HY얕은샘물M" panose="02030600000101010101" pitchFamily="18" charset="-127"/>
+                <a:ea typeface="HY얕은샘물M" panose="02030600000101010101" pitchFamily="18" charset="-127"/>
+              </a:rPr>
+              <a:t>0</a:t>
+            </a:r>
+            <a:r>
+              <a:rPr lang="ko-KR" altLang="en-US" sz="2400" dirty="0">
+                <a:latin typeface="HY얕은샘물M" panose="02030600000101010101" pitchFamily="18" charset="-127"/>
+                <a:ea typeface="HY얕은샘물M" panose="02030600000101010101" pitchFamily="18" charset="-127"/>
+              </a:rPr>
+              <a:t>을 반환</a:t>
+            </a:r>
+          </a:p>
+        </p:txBody>
+      </p:sp>
+      <p:pic>
+        <p:nvPicPr>
+          <p:cNvPr id="5" name="그림 4">
+            <a:extLst>
+              <a:ext uri="{FF2B5EF4-FFF2-40B4-BE49-F238E27FC236}">
+                <a16:creationId xmlns:a16="http://schemas.microsoft.com/office/drawing/2014/main" id="{8FCD6455-4649-421E-9E7C-1F538FE9EF3A}"/>
+              </a:ext>
+            </a:extLst>
+          </p:cNvPr>
+          <p:cNvPicPr>
+            <a:picLocks noChangeAspect="1"/>
+          </p:cNvPicPr>
+          <p:nvPr/>
+        </p:nvPicPr>
+        <p:blipFill>
+          <a:blip r:embed="rId2"/>
+          <a:stretch>
+            <a:fillRect/>
+          </a:stretch>
+        </p:blipFill>
+        <p:spPr>
+          <a:xfrm>
+            <a:off x="677334" y="1533260"/>
+            <a:ext cx="7253502" cy="2378002"/>
+          </a:xfrm>
+          <a:prstGeom prst="rect">
+            <a:avLst/>
+          </a:prstGeom>
+        </p:spPr>
+      </p:pic>
+    </p:spTree>
+    <p:extLst>
+      <p:ext uri="{BB962C8B-B14F-4D97-AF65-F5344CB8AC3E}">
+        <p14:creationId xmlns:p14="http://schemas.microsoft.com/office/powerpoint/2010/main" val="1810459750"/>
+      </p:ext>
+    </p:extLst>
+  </p:cSld>
+  <p:clrMapOvr>
+    <a:masterClrMapping/>
+  </p:clrMapOvr>
+  <p:timing>
+    <p:tnLst>
+      <p:par>
+        <p:cTn id="1" dur="indefinite" restart="never" nodeType="tmRoot"/>
+      </p:par>
+    </p:tnLst>
+  </p:timing>
+</p:sld>
+</file>
+
+<file path=ppt/slides/slide11.xml><?xml version="1.0" encoding="utf-8"?>
+<p:sld xmlns:a="http://schemas.openxmlformats.org/drawingml/2006/main" xmlns:r="http://schemas.openxmlformats.org/officeDocument/2006/relationships" xmlns:p="http://schemas.openxmlformats.org/presentationml/2006/main">
+  <p:cSld>
+    <p:spTree>
+      <p:nvGrpSpPr>
+        <p:cNvPr id="1" name=""/>
+        <p:cNvGrpSpPr/>
+        <p:nvPr/>
+      </p:nvGrpSpPr>
+      <p:grpSpPr>
+        <a:xfrm>
+          <a:off x="0" y="0"/>
+          <a:ext cx="0" cy="0"/>
+          <a:chOff x="0" y="0"/>
+          <a:chExt cx="0" cy="0"/>
+        </a:xfrm>
+      </p:grpSpPr>
+      <p:sp>
+        <p:nvSpPr>
+          <p:cNvPr id="2" name="제목 1"/>
+          <p:cNvSpPr>
+            <a:spLocks noGrp="1"/>
+          </p:cNvSpPr>
+          <p:nvPr>
+            <p:ph type="title"/>
+          </p:nvPr>
+        </p:nvSpPr>
+        <p:spPr>
+          <a:xfrm>
             <a:off x="677334" y="491909"/>
             <a:ext cx="8596668" cy="1320800"/>
           </a:xfrm>
@@ -6718,7 +6922,7 @@
 </p:sld>
 </file>
 
-<file path=ppt/slides/slide11.xml><?xml version="1.0" encoding="utf-8"?>
+<file path=ppt/slides/slide12.xml><?xml version="1.0" encoding="utf-8"?>
 <p:sld xmlns:a="http://schemas.openxmlformats.org/drawingml/2006/main" xmlns:r="http://schemas.openxmlformats.org/officeDocument/2006/relationships" xmlns:p="http://schemas.openxmlformats.org/presentationml/2006/main">
   <p:cSld>
     <p:spTree>
@@ -7016,7 +7220,7 @@
 </p:sld>
 </file>
 
-<file path=ppt/slides/slide12.xml><?xml version="1.0" encoding="utf-8"?>
+<file path=ppt/slides/slide13.xml><?xml version="1.0" encoding="utf-8"?>
 <p:sld xmlns:a="http://schemas.openxmlformats.org/drawingml/2006/main" xmlns:r="http://schemas.openxmlformats.org/officeDocument/2006/relationships" xmlns:p="http://schemas.openxmlformats.org/presentationml/2006/main">
   <p:cSld>
     <p:spTree>
@@ -7341,7 +7545,7 @@
 </p:sld>
 </file>
 
-<file path=ppt/slides/slide13.xml><?xml version="1.0" encoding="utf-8"?>
+<file path=ppt/slides/slide14.xml><?xml version="1.0" encoding="utf-8"?>
 <p:sld xmlns:a="http://schemas.openxmlformats.org/drawingml/2006/main" xmlns:r="http://schemas.openxmlformats.org/officeDocument/2006/relationships" xmlns:p="http://schemas.openxmlformats.org/presentationml/2006/main">
   <p:cSld>
     <p:spTree>
@@ -7572,7 +7776,7 @@
 </p:sld>
 </file>
 
-<file path=ppt/slides/slide14.xml><?xml version="1.0" encoding="utf-8"?>
+<file path=ppt/slides/slide15.xml><?xml version="1.0" encoding="utf-8"?>
 <p:sld xmlns:a="http://schemas.openxmlformats.org/drawingml/2006/main" xmlns:r="http://schemas.openxmlformats.org/officeDocument/2006/relationships" xmlns:p="http://schemas.openxmlformats.org/presentationml/2006/main">
   <p:cSld>
     <p:spTree>
@@ -8017,210 +8221,6 @@
 </p:sld>
 </file>
 
-<file path=ppt/slides/slide15.xml><?xml version="1.0" encoding="utf-8"?>
-<p:sld xmlns:a="http://schemas.openxmlformats.org/drawingml/2006/main" xmlns:r="http://schemas.openxmlformats.org/officeDocument/2006/relationships" xmlns:p="http://schemas.openxmlformats.org/presentationml/2006/main">
-  <p:cSld>
-    <p:spTree>
-      <p:nvGrpSpPr>
-        <p:cNvPr id="1" name=""/>
-        <p:cNvGrpSpPr/>
-        <p:nvPr/>
-      </p:nvGrpSpPr>
-      <p:grpSpPr>
-        <a:xfrm>
-          <a:off x="0" y="0"/>
-          <a:ext cx="0" cy="0"/>
-          <a:chOff x="0" y="0"/>
-          <a:chExt cx="0" cy="0"/>
-        </a:xfrm>
-      </p:grpSpPr>
-      <p:sp>
-        <p:nvSpPr>
-          <p:cNvPr id="2" name="제목 1"/>
-          <p:cNvSpPr>
-            <a:spLocks noGrp="1"/>
-          </p:cNvSpPr>
-          <p:nvPr>
-            <p:ph type="title"/>
-          </p:nvPr>
-        </p:nvSpPr>
-        <p:spPr>
-          <a:xfrm>
-            <a:off x="677334" y="426996"/>
-            <a:ext cx="8596668" cy="1320800"/>
-          </a:xfrm>
-        </p:spPr>
-        <p:txBody>
-          <a:bodyPr/>
-          <a:lstStyle/>
-          <a:p>
-            <a:r>
-              <a:rPr lang="ko-KR" altLang="en-US" dirty="0">
-                <a:latin typeface="HY얕은샘물M" panose="02030600000101010101" pitchFamily="18" charset="-127"/>
-                <a:ea typeface="HY얕은샘물M" panose="02030600000101010101" pitchFamily="18" charset="-127"/>
-              </a:rPr>
-              <a:t>윤년계산 함수 설계</a:t>
-            </a:r>
-          </a:p>
-        </p:txBody>
-      </p:sp>
-      <p:sp>
-        <p:nvSpPr>
-          <p:cNvPr id="3" name="내용 개체 틀 2"/>
-          <p:cNvSpPr>
-            <a:spLocks noGrp="1"/>
-          </p:cNvSpPr>
-          <p:nvPr>
-            <p:ph idx="1"/>
-          </p:nvPr>
-        </p:nvSpPr>
-        <p:spPr>
-          <a:xfrm>
-            <a:off x="677334" y="4191754"/>
-            <a:ext cx="7253502" cy="1849608"/>
-          </a:xfrm>
-        </p:spPr>
-        <p:txBody>
-          <a:bodyPr>
-            <a:normAutofit/>
-          </a:bodyPr>
-          <a:lstStyle/>
-          <a:p>
-            <a:pPr>
-              <a:lnSpc>
-                <a:spcPct val="200000"/>
-              </a:lnSpc>
-            </a:pPr>
-            <a:r>
-              <a:rPr lang="ko-KR" altLang="en-US" sz="2400" dirty="0">
-                <a:latin typeface="HY얕은샘물M" panose="02030600000101010101" pitchFamily="18" charset="-127"/>
-                <a:ea typeface="HY얕은샘물M" panose="02030600000101010101" pitchFamily="18" charset="-127"/>
-              </a:rPr>
-              <a:t>입력 받은 년이 </a:t>
-            </a:r>
-            <a:r>
-              <a:rPr lang="en-US" altLang="ko-KR" sz="2400" dirty="0">
-                <a:latin typeface="HY얕은샘물M" panose="02030600000101010101" pitchFamily="18" charset="-127"/>
-                <a:ea typeface="HY얕은샘물M" panose="02030600000101010101" pitchFamily="18" charset="-127"/>
-              </a:rPr>
-              <a:t>4</a:t>
-            </a:r>
-            <a:r>
-              <a:rPr lang="ko-KR" altLang="en-US" sz="2400" dirty="0">
-                <a:latin typeface="HY얕은샘물M" panose="02030600000101010101" pitchFamily="18" charset="-127"/>
-                <a:ea typeface="HY얕은샘물M" panose="02030600000101010101" pitchFamily="18" charset="-127"/>
-              </a:rPr>
-              <a:t>로 나누어 떨어지고 </a:t>
-            </a:r>
-            <a:r>
-              <a:rPr lang="en-US" altLang="ko-KR" sz="2400" dirty="0">
-                <a:latin typeface="HY얕은샘물M" panose="02030600000101010101" pitchFamily="18" charset="-127"/>
-                <a:ea typeface="HY얕은샘물M" panose="02030600000101010101" pitchFamily="18" charset="-127"/>
-              </a:rPr>
-              <a:t>100</a:t>
-            </a:r>
-            <a:r>
-              <a:rPr lang="ko-KR" altLang="en-US" sz="2400" dirty="0">
-                <a:latin typeface="HY얕은샘물M" panose="02030600000101010101" pitchFamily="18" charset="-127"/>
-                <a:ea typeface="HY얕은샘물M" panose="02030600000101010101" pitchFamily="18" charset="-127"/>
-              </a:rPr>
-              <a:t>으로도 나누어 떨어지거나 </a:t>
-            </a:r>
-            <a:r>
-              <a:rPr lang="en-US" altLang="ko-KR" sz="2400" dirty="0">
-                <a:latin typeface="HY얕은샘물M" panose="02030600000101010101" pitchFamily="18" charset="-127"/>
-                <a:ea typeface="HY얕은샘물M" panose="02030600000101010101" pitchFamily="18" charset="-127"/>
-              </a:rPr>
-              <a:t>400</a:t>
-            </a:r>
-            <a:r>
-              <a:rPr lang="ko-KR" altLang="en-US" sz="2400" dirty="0">
-                <a:latin typeface="HY얕은샘물M" panose="02030600000101010101" pitchFamily="18" charset="-127"/>
-                <a:ea typeface="HY얕은샘물M" panose="02030600000101010101" pitchFamily="18" charset="-127"/>
-              </a:rPr>
-              <a:t>으로   나누어 떨어질 경우 </a:t>
-            </a:r>
-            <a:r>
-              <a:rPr lang="en-US" altLang="ko-KR" sz="2400" dirty="0">
-                <a:latin typeface="HY얕은샘물M" panose="02030600000101010101" pitchFamily="18" charset="-127"/>
-                <a:ea typeface="HY얕은샘물M" panose="02030600000101010101" pitchFamily="18" charset="-127"/>
-              </a:rPr>
-              <a:t>1</a:t>
-            </a:r>
-            <a:r>
-              <a:rPr lang="ko-KR" altLang="en-US" sz="2400" dirty="0">
-                <a:latin typeface="HY얕은샘물M" panose="02030600000101010101" pitchFamily="18" charset="-127"/>
-                <a:ea typeface="HY얕은샘물M" panose="02030600000101010101" pitchFamily="18" charset="-127"/>
-              </a:rPr>
-              <a:t>을 반환하고 그렇지 않다면 </a:t>
-            </a:r>
-            <a:r>
-              <a:rPr lang="en-US" altLang="ko-KR" sz="2400" dirty="0">
-                <a:latin typeface="HY얕은샘물M" panose="02030600000101010101" pitchFamily="18" charset="-127"/>
-                <a:ea typeface="HY얕은샘물M" panose="02030600000101010101" pitchFamily="18" charset="-127"/>
-              </a:rPr>
-              <a:t>0</a:t>
-            </a:r>
-            <a:r>
-              <a:rPr lang="ko-KR" altLang="en-US" sz="2400" dirty="0">
-                <a:latin typeface="HY얕은샘물M" panose="02030600000101010101" pitchFamily="18" charset="-127"/>
-                <a:ea typeface="HY얕은샘물M" panose="02030600000101010101" pitchFamily="18" charset="-127"/>
-              </a:rPr>
-              <a:t>을 반환</a:t>
-            </a:r>
-          </a:p>
-        </p:txBody>
-      </p:sp>
-      <p:pic>
-        <p:nvPicPr>
-          <p:cNvPr id="5" name="그림 4">
-            <a:extLst>
-              <a:ext uri="{FF2B5EF4-FFF2-40B4-BE49-F238E27FC236}">
-                <a16:creationId xmlns:a16="http://schemas.microsoft.com/office/drawing/2014/main" id="{8FCD6455-4649-421E-9E7C-1F538FE9EF3A}"/>
-              </a:ext>
-            </a:extLst>
-          </p:cNvPr>
-          <p:cNvPicPr>
-            <a:picLocks noChangeAspect="1"/>
-          </p:cNvPicPr>
-          <p:nvPr/>
-        </p:nvPicPr>
-        <p:blipFill>
-          <a:blip r:embed="rId2"/>
-          <a:stretch>
-            <a:fillRect/>
-          </a:stretch>
-        </p:blipFill>
-        <p:spPr>
-          <a:xfrm>
-            <a:off x="677334" y="1533260"/>
-            <a:ext cx="7253502" cy="2378002"/>
-          </a:xfrm>
-          <a:prstGeom prst="rect">
-            <a:avLst/>
-          </a:prstGeom>
-        </p:spPr>
-      </p:pic>
-    </p:spTree>
-    <p:extLst>
-      <p:ext uri="{BB962C8B-B14F-4D97-AF65-F5344CB8AC3E}">
-        <p14:creationId xmlns:p14="http://schemas.microsoft.com/office/powerpoint/2010/main" val="1810459750"/>
-      </p:ext>
-    </p:extLst>
-  </p:cSld>
-  <p:clrMapOvr>
-    <a:masterClrMapping/>
-  </p:clrMapOvr>
-  <p:timing>
-    <p:tnLst>
-      <p:par>
-        <p:cTn id="1" dur="indefinite" restart="never" nodeType="tmRoot"/>
-      </p:par>
-    </p:tnLst>
-  </p:timing>
-</p:sld>
-</file>
-
 <file path=ppt/slides/slide16.xml><?xml version="1.0" encoding="utf-8"?>
 <p:sld xmlns:a="http://schemas.openxmlformats.org/drawingml/2006/main" xmlns:r="http://schemas.openxmlformats.org/officeDocument/2006/relationships" xmlns:p="http://schemas.openxmlformats.org/presentationml/2006/main">
   <p:cSld>
@@ -9503,7 +9503,21 @@
                 <a:latin typeface="HY얕은샘물M" panose="02030600000101010101" pitchFamily="18" charset="-127"/>
                 <a:ea typeface="HY얕은샘물M" panose="02030600000101010101" pitchFamily="18" charset="-127"/>
               </a:rPr>
-              <a:t> 프로그램을 찾아냈고 그 다음부터 저는 </a:t>
+              <a:t> </a:t>
+            </a:r>
+            <a:r>
+              <a:rPr lang="ko-KR" altLang="en-US" sz="2400" dirty="0" smtClean="0">
+                <a:latin typeface="HY얕은샘물M" panose="02030600000101010101" pitchFamily="18" charset="-127"/>
+                <a:ea typeface="HY얕은샘물M" panose="02030600000101010101" pitchFamily="18" charset="-127"/>
+              </a:rPr>
+              <a:t>사이트를 </a:t>
+            </a:r>
+            <a:r>
+              <a:rPr lang="ko-KR" altLang="en-US" sz="2400" dirty="0">
+                <a:latin typeface="HY얕은샘물M" panose="02030600000101010101" pitchFamily="18" charset="-127"/>
+                <a:ea typeface="HY얕은샘물M" panose="02030600000101010101" pitchFamily="18" charset="-127"/>
+              </a:rPr>
+              <a:t>찾아냈고 그 다음부터 저는 </a:t>
             </a:r>
             <a:r>
               <a:rPr lang="ko-KR" altLang="en-US" sz="2400" dirty="0" err="1">
@@ -9545,7 +9559,21 @@
                 <a:latin typeface="HY얕은샘물M" panose="02030600000101010101" pitchFamily="18" charset="-127"/>
                 <a:ea typeface="HY얕은샘물M" panose="02030600000101010101" pitchFamily="18" charset="-127"/>
               </a:rPr>
-              <a:t> 사용함으로서 불편함을   줄일 수 있었습니다</a:t>
+              <a:t> 사용함으로서 불편함을 </a:t>
+            </a:r>
+            <a:r>
+              <a:rPr lang="ko-KR" altLang="en-US" sz="2400" dirty="0" smtClean="0">
+                <a:latin typeface="HY얕은샘물M" panose="02030600000101010101" pitchFamily="18" charset="-127"/>
+                <a:ea typeface="HY얕은샘물M" panose="02030600000101010101" pitchFamily="18" charset="-127"/>
+              </a:rPr>
+              <a:t>줄일 </a:t>
+            </a:r>
+            <a:r>
+              <a:rPr lang="ko-KR" altLang="en-US" sz="2400" dirty="0">
+                <a:latin typeface="HY얕은샘물M" panose="02030600000101010101" pitchFamily="18" charset="-127"/>
+                <a:ea typeface="HY얕은샘물M" panose="02030600000101010101" pitchFamily="18" charset="-127"/>
+              </a:rPr>
+              <a:t>수 있었습니다</a:t>
             </a:r>
             <a:r>
               <a:rPr lang="en-US" altLang="ko-KR" sz="2400" dirty="0">
@@ -9562,18 +9590,18 @@
               <a:t>특히 </a:t>
             </a:r>
             <a:r>
-              <a:rPr lang="ko-KR" altLang="en-US" sz="2400" dirty="0" err="1">
-                <a:latin typeface="HY얕은샘물M" panose="02030600000101010101" pitchFamily="18" charset="-127"/>
-                <a:ea typeface="HY얕은샘물M" panose="02030600000101010101" pitchFamily="18" charset="-127"/>
-              </a:rPr>
-              <a:t>깃허브에서</a:t>
+              <a:rPr lang="ko-KR" altLang="en-US" sz="2400" dirty="0" smtClean="0">
+                <a:latin typeface="HY얕은샘물M" panose="02030600000101010101" pitchFamily="18" charset="-127"/>
+                <a:ea typeface="HY얕은샘물M" panose="02030600000101010101" pitchFamily="18" charset="-127"/>
+              </a:rPr>
+              <a:t>깃을 이용하여 </a:t>
             </a:r>
             <a:r>
               <a:rPr lang="ko-KR" altLang="en-US" sz="2400" dirty="0">
                 <a:latin typeface="HY얕은샘물M" panose="02030600000101010101" pitchFamily="18" charset="-127"/>
                 <a:ea typeface="HY얕은샘물M" panose="02030600000101010101" pitchFamily="18" charset="-127"/>
               </a:rPr>
-              <a:t> 이미 바꿔서 저장해둔 코드도 전으로 돌릴 수 있었던 것이 매우 좋았습니다</a:t>
+              <a:t>이미 바꿔서 저장해둔 코드도 전으로 돌릴 수 있었던 것이 매우 좋았습니다</a:t>
             </a:r>
             <a:r>
               <a:rPr lang="en-US" altLang="ko-KR" sz="2400" dirty="0">
@@ -10426,7 +10454,12 @@
             <p:ph idx="1"/>
           </p:nvPr>
         </p:nvSpPr>
-        <p:spPr/>
+        <p:spPr>
+          <a:xfrm>
+            <a:off x="677334" y="1653512"/>
+            <a:ext cx="8596668" cy="4223586"/>
+          </a:xfrm>
+        </p:spPr>
         <p:txBody>
           <a:bodyPr>
             <a:noAutofit/>
@@ -10435,122 +10468,136 @@
           <a:p>
             <a:pPr>
               <a:lnSpc>
-                <a:spcPts val="3700"/>
+                <a:spcPct val="150000"/>
               </a:lnSpc>
             </a:pPr>
             <a:r>
-              <a:rPr lang="ko-KR" altLang="en-US" sz="2400" dirty="0">
+              <a:rPr lang="ko-KR" altLang="en-US" sz="2200" dirty="0">
                 <a:latin typeface="HY얕은샘물M" panose="02030600000101010101" pitchFamily="18" charset="-127"/>
                 <a:ea typeface="HY얕은샘물M" panose="02030600000101010101" pitchFamily="18" charset="-127"/>
               </a:rPr>
               <a:t>예전부터 저는 제가 원하는 년도를 보는 것이 힘들어서 언젠가는 달력 프로젝트를 만들 생각이 있었습니다</a:t>
             </a:r>
             <a:r>
-              <a:rPr lang="en-US" altLang="ko-KR" sz="2400" dirty="0">
+              <a:rPr lang="en-US" altLang="ko-KR" sz="2200" dirty="0">
                 <a:latin typeface="HY얕은샘물M" panose="02030600000101010101" pitchFamily="18" charset="-127"/>
                 <a:ea typeface="HY얕은샘물M" panose="02030600000101010101" pitchFamily="18" charset="-127"/>
               </a:rPr>
               <a:t>. </a:t>
             </a:r>
             <a:r>
-              <a:rPr lang="ko-KR" altLang="en-US" sz="2400" dirty="0">
+              <a:rPr lang="ko-KR" altLang="en-US" sz="2200" dirty="0">
                 <a:latin typeface="HY얕은샘물M" panose="02030600000101010101" pitchFamily="18" charset="-127"/>
                 <a:ea typeface="HY얕은샘물M" panose="02030600000101010101" pitchFamily="18" charset="-127"/>
               </a:rPr>
               <a:t>핸드폰으로도 달력 볼 수 있지만 제가 원하는 년도를 찾기 위해 일일이 스크롤 하는 것이 힘들었기 때문입니다</a:t>
             </a:r>
             <a:r>
-              <a:rPr lang="en-US" altLang="ko-KR" sz="2400" dirty="0">
+              <a:rPr lang="en-US" altLang="ko-KR" sz="2200" dirty="0">
                 <a:latin typeface="HY얕은샘물M" panose="02030600000101010101" pitchFamily="18" charset="-127"/>
                 <a:ea typeface="HY얕은샘물M" panose="02030600000101010101" pitchFamily="18" charset="-127"/>
               </a:rPr>
               <a:t>. </a:t>
             </a:r>
             <a:r>
-              <a:rPr lang="ko-KR" altLang="en-US" sz="2400" dirty="0">
+              <a:rPr lang="ko-KR" altLang="en-US" sz="2200" dirty="0">
                 <a:latin typeface="HY얕은샘물M" panose="02030600000101010101" pitchFamily="18" charset="-127"/>
                 <a:ea typeface="HY얕은샘물M" panose="02030600000101010101" pitchFamily="18" charset="-127"/>
               </a:rPr>
               <a:t>그리고</a:t>
             </a:r>
             <a:r>
-              <a:rPr lang="en-US" altLang="ko-KR" sz="2400" dirty="0">
+              <a:rPr lang="en-US" altLang="ko-KR" sz="2200" dirty="0">
                 <a:latin typeface="HY얕은샘물M" panose="02030600000101010101" pitchFamily="18" charset="-127"/>
                 <a:ea typeface="HY얕은샘물M" panose="02030600000101010101" pitchFamily="18" charset="-127"/>
               </a:rPr>
               <a:t>, </a:t>
             </a:r>
             <a:r>
-              <a:rPr lang="ko-KR" altLang="en-US" sz="2400" dirty="0">
+              <a:rPr lang="ko-KR" altLang="en-US" sz="2200" dirty="0">
                 <a:latin typeface="HY얕은샘물M" panose="02030600000101010101" pitchFamily="18" charset="-127"/>
                 <a:ea typeface="HY얕은샘물M" panose="02030600000101010101" pitchFamily="18" charset="-127"/>
               </a:rPr>
               <a:t>저는 전에도 프로젝트를 하나 만들었던 적이 있었습니다</a:t>
             </a:r>
             <a:r>
-              <a:rPr lang="en-US" altLang="ko-KR" sz="2400" dirty="0">
+              <a:rPr lang="en-US" altLang="ko-KR" sz="2200" dirty="0">
                 <a:latin typeface="HY얕은샘물M" panose="02030600000101010101" pitchFamily="18" charset="-127"/>
                 <a:ea typeface="HY얕은샘물M" panose="02030600000101010101" pitchFamily="18" charset="-127"/>
               </a:rPr>
               <a:t>. </a:t>
             </a:r>
             <a:r>
-              <a:rPr lang="ko-KR" altLang="en-US" sz="2400" dirty="0">
+              <a:rPr lang="ko-KR" altLang="en-US" sz="2200" dirty="0">
                 <a:latin typeface="HY얕은샘물M" panose="02030600000101010101" pitchFamily="18" charset="-127"/>
                 <a:ea typeface="HY얕은샘물M" panose="02030600000101010101" pitchFamily="18" charset="-127"/>
               </a:rPr>
               <a:t>그 프로젝트의 주제는 비밀 다이어리였었는데 그 프로젝트를 만드는 과정 속에서 저는 오직 파일입출력만을 통해서 만들었었습니다</a:t>
             </a:r>
             <a:r>
-              <a:rPr lang="en-US" altLang="ko-KR" sz="2400" dirty="0">
+              <a:rPr lang="en-US" altLang="ko-KR" sz="2200" dirty="0">
                 <a:latin typeface="HY얕은샘물M" panose="02030600000101010101" pitchFamily="18" charset="-127"/>
                 <a:ea typeface="HY얕은샘물M" panose="02030600000101010101" pitchFamily="18" charset="-127"/>
               </a:rPr>
               <a:t>.</a:t>
             </a:r>
             <a:r>
-              <a:rPr lang="ko-KR" altLang="en-US" sz="2400" dirty="0">
-                <a:latin typeface="HY얕은샘물M" panose="02030600000101010101" pitchFamily="18" charset="-127"/>
-                <a:ea typeface="HY얕은샘물M" panose="02030600000101010101" pitchFamily="18" charset="-127"/>
-              </a:rPr>
-              <a:t> 하지만 연결리스트를 사용했으면 좀 더 멋지고 좀 더 편하게 만들 수 있었을 것 같다고 생각하여 연결리스트를 연습해보고자 하였습니다</a:t>
-            </a:r>
-            <a:r>
-              <a:rPr lang="en-US" altLang="ko-KR" sz="2400" dirty="0">
+              <a:rPr lang="ko-KR" altLang="en-US" sz="2200" dirty="0">
+                <a:latin typeface="HY얕은샘물M" panose="02030600000101010101" pitchFamily="18" charset="-127"/>
+                <a:ea typeface="HY얕은샘물M" panose="02030600000101010101" pitchFamily="18" charset="-127"/>
+              </a:rPr>
+              <a:t> 하지만 </a:t>
+            </a:r>
+            <a:r>
+              <a:rPr lang="ko-KR" altLang="en-US" sz="2200" dirty="0" smtClean="0">
+                <a:latin typeface="HY얕은샘물M" panose="02030600000101010101" pitchFamily="18" charset="-127"/>
+                <a:ea typeface="HY얕은샘물M" panose="02030600000101010101" pitchFamily="18" charset="-127"/>
+              </a:rPr>
+              <a:t>로그인과 회원가입 코드를 짤 때 연결리스트를 </a:t>
+            </a:r>
+            <a:r>
+              <a:rPr lang="ko-KR" altLang="en-US" sz="2200" dirty="0">
+                <a:latin typeface="HY얕은샘물M" panose="02030600000101010101" pitchFamily="18" charset="-127"/>
+                <a:ea typeface="HY얕은샘물M" panose="02030600000101010101" pitchFamily="18" charset="-127"/>
+              </a:rPr>
+              <a:t>사용했으면 좀 더 멋지고 좀 더 편하게 만들 수 있었을 것 같다고 생각하여 연결리스트를 연습해보고자 하였습니다</a:t>
+            </a:r>
+            <a:r>
+              <a:rPr lang="en-US" altLang="ko-KR" sz="2200" dirty="0">
                 <a:latin typeface="HY얕은샘물M" panose="02030600000101010101" pitchFamily="18" charset="-127"/>
                 <a:ea typeface="HY얕은샘물M" panose="02030600000101010101" pitchFamily="18" charset="-127"/>
               </a:rPr>
               <a:t>. </a:t>
             </a:r>
             <a:r>
-              <a:rPr lang="ko-KR" altLang="en-US" sz="2400" dirty="0">
+              <a:rPr lang="ko-KR" altLang="en-US" sz="2200" dirty="0">
                 <a:latin typeface="HY얕은샘물M" panose="02030600000101010101" pitchFamily="18" charset="-127"/>
                 <a:ea typeface="HY얕은샘물M" panose="02030600000101010101" pitchFamily="18" charset="-127"/>
               </a:rPr>
               <a:t>그래서 연결리스트를 사용하여 만들 수 있는 프로젝트를 함께 생각하다 보니 전에 생각했던 달력 프로젝트가 생각이 났습니다</a:t>
             </a:r>
             <a:r>
-              <a:rPr lang="en-US" altLang="ko-KR" sz="2400" dirty="0">
+              <a:rPr lang="en-US" altLang="ko-KR" sz="2200" dirty="0">
                 <a:latin typeface="HY얕은샘물M" panose="02030600000101010101" pitchFamily="18" charset="-127"/>
                 <a:ea typeface="HY얕은샘물M" panose="02030600000101010101" pitchFamily="18" charset="-127"/>
               </a:rPr>
               <a:t>. </a:t>
             </a:r>
             <a:r>
-              <a:rPr lang="ko-KR" altLang="en-US" sz="2400" dirty="0">
+              <a:rPr lang="ko-KR" altLang="en-US" sz="2200" dirty="0">
                 <a:latin typeface="HY얕은샘물M" panose="02030600000101010101" pitchFamily="18" charset="-127"/>
                 <a:ea typeface="HY얕은샘물M" panose="02030600000101010101" pitchFamily="18" charset="-127"/>
               </a:rPr>
               <a:t>그래서 이번기회에 만들어보고자 하여 이 프로젝트를 만들게 된 것 입니다</a:t>
             </a:r>
             <a:r>
-              <a:rPr lang="en-US" altLang="ko-KR" sz="2400" dirty="0">
+              <a:rPr lang="en-US" altLang="ko-KR" sz="2200" dirty="0">
                 <a:latin typeface="HY얕은샘물M" panose="02030600000101010101" pitchFamily="18" charset="-127"/>
                 <a:ea typeface="HY얕은샘물M" panose="02030600000101010101" pitchFamily="18" charset="-127"/>
               </a:rPr>
               <a:t>.</a:t>
             </a:r>
-            <a:endParaRPr lang="ko-KR" altLang="en-US" sz="2400" dirty="0">
+            <a:endParaRPr lang="ko-KR" altLang="en-US" sz="2200" dirty="0">
               <a:latin typeface="HY얕은샘물M" panose="02030600000101010101" pitchFamily="18" charset="-127"/>
               <a:ea typeface="HY얕은샘물M" panose="02030600000101010101" pitchFamily="18" charset="-127"/>
             </a:endParaRPr>
@@ -10646,7 +10693,21 @@
                 <a:latin typeface="HY얕은샘물M" panose="02030600000101010101" pitchFamily="18" charset="-127"/>
                 <a:ea typeface="HY얕은샘물M" panose="02030600000101010101" pitchFamily="18" charset="-127"/>
               </a:rPr>
-              <a:t>이 프로젝트의 구체적은 실행방법은 먼저 사용자가 날짜를 입력해서 먼저 일정을 추가합니다</a:t>
+              <a:t>이 프로젝트의 구체적은 실행방법은 먼저 사용자가 날짜를 </a:t>
+            </a:r>
+            <a:r>
+              <a:rPr lang="ko-KR" altLang="en-US" sz="2400" dirty="0" smtClean="0">
+                <a:latin typeface="HY얕은샘물M" panose="02030600000101010101" pitchFamily="18" charset="-127"/>
+                <a:ea typeface="HY얕은샘물M" panose="02030600000101010101" pitchFamily="18" charset="-127"/>
+              </a:rPr>
+              <a:t>입력해서 일정을 </a:t>
+            </a:r>
+            <a:r>
+              <a:rPr lang="ko-KR" altLang="en-US" sz="2400" dirty="0">
+                <a:latin typeface="HY얕은샘물M" panose="02030600000101010101" pitchFamily="18" charset="-127"/>
+                <a:ea typeface="HY얕은샘물M" panose="02030600000101010101" pitchFamily="18" charset="-127"/>
+              </a:rPr>
+              <a:t>추가합니다</a:t>
             </a:r>
             <a:r>
               <a:rPr lang="en-US" altLang="ko-KR" sz="2400" dirty="0">
@@ -10705,18 +10766,25 @@
               <a:t>일정 삭제는 지우고 싶은 일정의 내용을  입력 받아 노드에 저장된 일정과 같으면 그 일정을 지웁니다</a:t>
             </a:r>
             <a:r>
-              <a:rPr lang="en-US" altLang="ko-KR" sz="2400" dirty="0">
-                <a:latin typeface="HY얕은샘물M" panose="02030600000101010101" pitchFamily="18" charset="-127"/>
-                <a:ea typeface="HY얕은샘물M" panose="02030600000101010101" pitchFamily="18" charset="-127"/>
-              </a:rPr>
-              <a:t>.</a:t>
+              <a:rPr lang="en-US" altLang="ko-KR" sz="2400" dirty="0" smtClean="0">
+                <a:latin typeface="HY얕은샘물M" panose="02030600000101010101" pitchFamily="18" charset="-127"/>
+                <a:ea typeface="HY얕은샘물M" panose="02030600000101010101" pitchFamily="18" charset="-127"/>
+              </a:rPr>
+              <a:t>. </a:t>
+            </a:r>
+            <a:r>
+              <a:rPr lang="ko-KR" altLang="en-US" sz="2400" dirty="0" smtClean="0">
+                <a:latin typeface="HY얕은샘물M" panose="02030600000101010101" pitchFamily="18" charset="-127"/>
+                <a:ea typeface="HY얕은샘물M" panose="02030600000101010101" pitchFamily="18" charset="-127"/>
+              </a:rPr>
+              <a:t>일정 </a:t>
             </a:r>
             <a:r>
               <a:rPr lang="ko-KR" altLang="en-US" sz="2400" dirty="0">
                 <a:latin typeface="HY얕은샘물M" panose="02030600000101010101" pitchFamily="18" charset="-127"/>
                 <a:ea typeface="HY얕은샘물M" panose="02030600000101010101" pitchFamily="18" charset="-127"/>
               </a:rPr>
-              <a:t>일정 보여주기는 반복문을 통해서 모든 배열을 읽은 후 있는 일정만 출력해줍니다</a:t>
+              <a:t>보여주기는 반복문을 통해서 모든 배열을 읽은 후 있는 일정만 출력해줍니다</a:t>
             </a:r>
             <a:r>
               <a:rPr lang="en-US" altLang="ko-KR" sz="2400" dirty="0">
@@ -10826,42 +10894,63 @@
                 <a:latin typeface="HY얕은샘물M" panose="02030600000101010101" pitchFamily="18" charset="-127"/>
                 <a:ea typeface="HY얕은샘물M" panose="02030600000101010101" pitchFamily="18" charset="-127"/>
               </a:rPr>
-              <a:t>1. </a:t>
+              <a:t>1</a:t>
+            </a:r>
+            <a:r>
+              <a:rPr lang="en-US" altLang="ko-KR" sz="2000" dirty="0" smtClean="0">
+                <a:latin typeface="HY얕은샘물M" panose="02030600000101010101" pitchFamily="18" charset="-127"/>
+                <a:ea typeface="HY얕은샘물M" panose="02030600000101010101" pitchFamily="18" charset="-127"/>
+              </a:rPr>
+              <a:t>. </a:t>
+            </a:r>
+            <a:r>
+              <a:rPr lang="ko-KR" altLang="en-US" sz="2000" dirty="0" smtClean="0">
+                <a:latin typeface="HY얕은샘물M" panose="02030600000101010101" pitchFamily="18" charset="-127"/>
+                <a:ea typeface="HY얕은샘물M" panose="02030600000101010101" pitchFamily="18" charset="-127"/>
+              </a:rPr>
+              <a:t>프로젝트를 만드는데 필요한 </a:t>
+            </a:r>
+            <a:r>
+              <a:rPr lang="ko-KR" altLang="en-US" sz="2000" dirty="0" err="1" smtClean="0">
+                <a:latin typeface="HY얕은샘물M" panose="02030600000101010101" pitchFamily="18" charset="-127"/>
+                <a:ea typeface="HY얕은샘물M" panose="02030600000101010101" pitchFamily="18" charset="-127"/>
+              </a:rPr>
+              <a:t>헤더파일</a:t>
+            </a:r>
+            <a:r>
+              <a:rPr lang="en-US" altLang="ko-KR" sz="2000" dirty="0" smtClean="0">
+                <a:latin typeface="HY얕은샘물M" panose="02030600000101010101" pitchFamily="18" charset="-127"/>
+                <a:ea typeface="HY얕은샘물M" panose="02030600000101010101" pitchFamily="18" charset="-127"/>
+              </a:rPr>
+              <a:t>, </a:t>
             </a:r>
             <a:r>
               <a:rPr lang="ko-KR" altLang="en-US" sz="2000" dirty="0">
                 <a:latin typeface="HY얕은샘물M" panose="02030600000101010101" pitchFamily="18" charset="-127"/>
                 <a:ea typeface="HY얕은샘물M" panose="02030600000101010101" pitchFamily="18" charset="-127"/>
               </a:rPr>
-              <a:t>프로젝트를 만드는데 필요한 헤더파일</a:t>
+              <a:t>함수</a:t>
             </a:r>
             <a:r>
               <a:rPr lang="en-US" altLang="ko-KR" sz="2000" dirty="0">
                 <a:latin typeface="HY얕은샘물M" panose="02030600000101010101" pitchFamily="18" charset="-127"/>
                 <a:ea typeface="HY얕은샘물M" panose="02030600000101010101" pitchFamily="18" charset="-127"/>
               </a:rPr>
-              <a:t>, </a:t>
+              <a:t>,</a:t>
             </a:r>
             <a:r>
               <a:rPr lang="ko-KR" altLang="en-US" sz="2000" dirty="0">
                 <a:latin typeface="HY얕은샘물M" panose="02030600000101010101" pitchFamily="18" charset="-127"/>
                 <a:ea typeface="HY얕은샘물M" panose="02030600000101010101" pitchFamily="18" charset="-127"/>
               </a:rPr>
-              <a:t>함수</a:t>
-            </a:r>
-            <a:r>
-              <a:rPr lang="en-US" altLang="ko-KR" sz="2000" dirty="0">
-                <a:latin typeface="HY얕은샘물M" panose="02030600000101010101" pitchFamily="18" charset="-127"/>
-                <a:ea typeface="HY얕은샘물M" panose="02030600000101010101" pitchFamily="18" charset="-127"/>
-              </a:rPr>
-              <a:t>,</a:t>
-            </a:r>
-            <a:r>
-              <a:rPr lang="ko-KR" altLang="en-US" sz="2000" dirty="0">
-                <a:latin typeface="HY얕은샘물M" panose="02030600000101010101" pitchFamily="18" charset="-127"/>
-                <a:ea typeface="HY얕은샘물M" panose="02030600000101010101" pitchFamily="18" charset="-127"/>
-              </a:rPr>
-              <a:t> 구조체 선언 및 구조체 배열 초기화</a:t>
+              <a:t> 구조체 선언 및 구조체 배열 </a:t>
+            </a:r>
+            <a:r>
+              <a:rPr lang="ko-KR" altLang="en-US" sz="2000" dirty="0" smtClean="0">
+                <a:latin typeface="HY얕은샘물M" panose="02030600000101010101" pitchFamily="18" charset="-127"/>
+                <a:ea typeface="HY얕은샘물M" panose="02030600000101010101" pitchFamily="18" charset="-127"/>
+              </a:rPr>
+              <a:t>초기화</a:t>
             </a:r>
             <a:endParaRPr lang="en-US" altLang="ko-KR" sz="2000" dirty="0">
               <a:latin typeface="HY얕은샘물M" panose="02030600000101010101" pitchFamily="18" charset="-127"/>

--- a/내가 만든 프로젝트 발표.pptx
+++ b/내가 만든 프로젝트 발표.pptx
@@ -6359,19 +6359,28 @@
             <p:ph type="ctrTitle"/>
           </p:nvPr>
         </p:nvSpPr>
-        <p:spPr/>
-        <p:txBody>
-          <a:bodyPr/>
+        <p:spPr>
+          <a:xfrm>
+            <a:off x="1041556" y="2412847"/>
+            <a:ext cx="7766936" cy="1011997"/>
+          </a:xfrm>
+        </p:spPr>
+        <p:txBody>
+          <a:bodyPr anchor="t"/>
           <a:lstStyle/>
           <a:p>
             <a:pPr algn="ctr"/>
             <a:r>
-              <a:rPr lang="ko-KR" altLang="en-US" dirty="0">
-                <a:latin typeface="HY얕은샘물M" panose="02030600000101010101" pitchFamily="18" charset="-127"/>
-                <a:ea typeface="HY얕은샘물M" panose="02030600000101010101" pitchFamily="18" charset="-127"/>
-              </a:rPr>
-              <a:t>내가 만든 프로젝트 발표</a:t>
-            </a:r>
+              <a:rPr lang="ko-KR" altLang="en-US" sz="4400" dirty="0" smtClean="0">
+                <a:latin typeface="HY얕은샘물M" panose="02030600000101010101" pitchFamily="18" charset="-127"/>
+                <a:ea typeface="HY얕은샘물M" panose="02030600000101010101" pitchFamily="18" charset="-127"/>
+              </a:rPr>
+              <a:t>프로젝트 발표</a:t>
+            </a:r>
+            <a:endParaRPr lang="ko-KR" altLang="en-US" sz="4400" dirty="0">
+              <a:latin typeface="HY얕은샘물M" panose="02030600000101010101" pitchFamily="18" charset="-127"/>
+              <a:ea typeface="HY얕은샘물M" panose="02030600000101010101" pitchFamily="18" charset="-127"/>
+            </a:endParaRPr>
           </a:p>
         </p:txBody>
       </p:sp>
@@ -6396,6 +6405,115 @@
                 <a:ea typeface="HY얕은샘물M" panose="02030600000101010101" pitchFamily="18" charset="-127"/>
               </a:rPr>
               <a:t>김호인</a:t>
+            </a:r>
+            <a:endParaRPr lang="ko-KR" altLang="en-US" dirty="0">
+              <a:latin typeface="HY얕은샘물M" panose="02030600000101010101" pitchFamily="18" charset="-127"/>
+              <a:ea typeface="HY얕은샘물M" panose="02030600000101010101" pitchFamily="18" charset="-127"/>
+            </a:endParaRPr>
+          </a:p>
+        </p:txBody>
+      </p:sp>
+      <p:sp>
+        <p:nvSpPr>
+          <p:cNvPr id="4" name="제목 1"/>
+          <p:cNvSpPr txBox="1">
+            <a:spLocks/>
+          </p:cNvSpPr>
+          <p:nvPr/>
+        </p:nvSpPr>
+        <p:spPr>
+          <a:xfrm>
+            <a:off x="5134186" y="3075709"/>
+            <a:ext cx="3336483" cy="933559"/>
+          </a:xfrm>
+          <a:prstGeom prst="rect">
+            <a:avLst/>
+          </a:prstGeom>
+        </p:spPr>
+        <p:txBody>
+          <a:bodyPr vert="horz" lIns="91440" tIns="45720" rIns="91440" bIns="45720" rtlCol="0" anchor="t">
+            <a:noAutofit/>
+          </a:bodyPr>
+          <a:lstStyle>
+            <a:lvl1pPr algn="r" defTabSz="457200" rtl="0" eaLnBrk="1" latinLnBrk="1" hangingPunct="1">
+              <a:spcBef>
+                <a:spcPct val="0"/>
+              </a:spcBef>
+              <a:buNone/>
+              <a:defRPr sz="5400" kern="1200">
+                <a:solidFill>
+                  <a:schemeClr val="accent1"/>
+                </a:solidFill>
+                <a:latin typeface="+mj-lt"/>
+                <a:ea typeface="+mj-ea"/>
+                <a:cs typeface="+mj-cs"/>
+              </a:defRPr>
+            </a:lvl1pPr>
+            <a:lvl2pPr eaLnBrk="1" latinLnBrk="1" hangingPunct="1">
+              <a:defRPr>
+                <a:solidFill>
+                  <a:schemeClr val="tx2"/>
+                </a:solidFill>
+              </a:defRPr>
+            </a:lvl2pPr>
+            <a:lvl3pPr eaLnBrk="1" latinLnBrk="1" hangingPunct="1">
+              <a:defRPr>
+                <a:solidFill>
+                  <a:schemeClr val="tx2"/>
+                </a:solidFill>
+              </a:defRPr>
+            </a:lvl3pPr>
+            <a:lvl4pPr eaLnBrk="1" latinLnBrk="1" hangingPunct="1">
+              <a:defRPr>
+                <a:solidFill>
+                  <a:schemeClr val="tx2"/>
+                </a:solidFill>
+              </a:defRPr>
+            </a:lvl4pPr>
+            <a:lvl5pPr eaLnBrk="1" latinLnBrk="1" hangingPunct="1">
+              <a:defRPr>
+                <a:solidFill>
+                  <a:schemeClr val="tx2"/>
+                </a:solidFill>
+              </a:defRPr>
+            </a:lvl5pPr>
+            <a:lvl6pPr eaLnBrk="1" latinLnBrk="1" hangingPunct="1">
+              <a:defRPr>
+                <a:solidFill>
+                  <a:schemeClr val="tx2"/>
+                </a:solidFill>
+              </a:defRPr>
+            </a:lvl6pPr>
+            <a:lvl7pPr eaLnBrk="1" latinLnBrk="1" hangingPunct="1">
+              <a:defRPr>
+                <a:solidFill>
+                  <a:schemeClr val="tx2"/>
+                </a:solidFill>
+              </a:defRPr>
+            </a:lvl7pPr>
+            <a:lvl8pPr eaLnBrk="1" latinLnBrk="1" hangingPunct="1">
+              <a:defRPr>
+                <a:solidFill>
+                  <a:schemeClr val="tx2"/>
+                </a:solidFill>
+              </a:defRPr>
+            </a:lvl8pPr>
+            <a:lvl9pPr eaLnBrk="1" latinLnBrk="1" hangingPunct="1">
+              <a:defRPr>
+                <a:solidFill>
+                  <a:schemeClr val="tx2"/>
+                </a:solidFill>
+              </a:defRPr>
+            </a:lvl9pPr>
+          </a:lstStyle>
+          <a:p>
+            <a:pPr algn="l"/>
+            <a:r>
+              <a:rPr lang="ko-KR" altLang="en-US" dirty="0" smtClean="0">
+                <a:latin typeface="HY얕은샘물M" panose="02030600000101010101" pitchFamily="18" charset="-127"/>
+                <a:ea typeface="HY얕은샘물M" panose="02030600000101010101" pitchFamily="18" charset="-127"/>
+              </a:rPr>
+              <a:t>일정 관리 달력</a:t>
             </a:r>
             <a:endParaRPr lang="ko-KR" altLang="en-US" dirty="0">
               <a:latin typeface="HY얕은샘물M" panose="02030600000101010101" pitchFamily="18" charset="-127"/>
